--- a/ppt 16-9/0504.今夜难眠.pptx
+++ b/ppt 16-9/0504.今夜难眠.pptx
@@ -5,7 +5,7 @@
     <p:sldMasterId id="2147483648" r:id="rId1"/>
   </p:sldMasterIdLst>
   <p:sldIdLst>
-    <p:sldId id="3018" r:id="rId2"/>
+    <p:sldId id="3325" r:id="rId2"/>
   </p:sldIdLst>
   <p:sldSz cx="12192000" cy="6858000"/>
   <p:notesSz cx="6858000" cy="9144000"/>
@@ -129,7 +129,7 @@
           <p:cNvPr id="2" name="标题 1">
             <a:extLst>
               <a:ext uri="{FF2B5EF4-FFF2-40B4-BE49-F238E27FC236}">
-                <a16:creationId xmlns:a16="http://schemas.microsoft.com/office/drawing/2014/main" id="{08376E69-ACE9-603F-C97E-172B4885E7F1}"/>
+                <a16:creationId xmlns:a16="http://schemas.microsoft.com/office/drawing/2014/main" id="{2DFCADED-1736-ADE9-F820-4945D003471C}"/>
               </a:ext>
             </a:extLst>
           </p:cNvPr>
@@ -166,7 +166,7 @@
           <p:cNvPr id="3" name="副标题 2">
             <a:extLst>
               <a:ext uri="{FF2B5EF4-FFF2-40B4-BE49-F238E27FC236}">
-                <a16:creationId xmlns:a16="http://schemas.microsoft.com/office/drawing/2014/main" id="{AD702A9C-AAE9-CAF3-D754-8D9FD0B0672B}"/>
+                <a16:creationId xmlns:a16="http://schemas.microsoft.com/office/drawing/2014/main" id="{B2382BF9-ADE0-94F1-E617-F4A018EB9902}"/>
               </a:ext>
             </a:extLst>
           </p:cNvPr>
@@ -236,7 +236,7 @@
           <p:cNvPr id="4" name="日期占位符 3">
             <a:extLst>
               <a:ext uri="{FF2B5EF4-FFF2-40B4-BE49-F238E27FC236}">
-                <a16:creationId xmlns:a16="http://schemas.microsoft.com/office/drawing/2014/main" id="{B1329DE5-4BEC-64AF-0329-D6EF4D414E8E}"/>
+                <a16:creationId xmlns:a16="http://schemas.microsoft.com/office/drawing/2014/main" id="{6D34CE24-7944-50EB-A376-F45863784392}"/>
               </a:ext>
             </a:extLst>
           </p:cNvPr>
@@ -252,7 +252,7 @@
           <a:bodyPr/>
           <a:lstStyle/>
           <a:p>
-            <a:fld id="{BB32AEE1-4B6B-4FEB-A2B0-ACF4832C4C79}" type="datetimeFigureOut">
+            <a:fld id="{7C61373A-4DED-4CAB-925A-4B9AEC6F7E79}" type="datetimeFigureOut">
               <a:rPr lang="zh-CN" altLang="en-US" smtClean="0"/>
               <a:t>2024/3/10</a:t>
             </a:fld>
@@ -265,7 +265,7 @@
           <p:cNvPr id="5" name="页脚占位符 4">
             <a:extLst>
               <a:ext uri="{FF2B5EF4-FFF2-40B4-BE49-F238E27FC236}">
-                <a16:creationId xmlns:a16="http://schemas.microsoft.com/office/drawing/2014/main" id="{0B05EB39-F563-C80D-6496-93232954C13D}"/>
+                <a16:creationId xmlns:a16="http://schemas.microsoft.com/office/drawing/2014/main" id="{B8521CAB-5DE6-236A-4BAF-7290EAE90B7D}"/>
               </a:ext>
             </a:extLst>
           </p:cNvPr>
@@ -290,7 +290,7 @@
           <p:cNvPr id="6" name="灯片编号占位符 5">
             <a:extLst>
               <a:ext uri="{FF2B5EF4-FFF2-40B4-BE49-F238E27FC236}">
-                <a16:creationId xmlns:a16="http://schemas.microsoft.com/office/drawing/2014/main" id="{A4726CBE-8B83-D9F2-E5BA-D757C96D9A60}"/>
+                <a16:creationId xmlns:a16="http://schemas.microsoft.com/office/drawing/2014/main" id="{60494D5A-61E5-2CA2-1970-F5FA658D10CA}"/>
               </a:ext>
             </a:extLst>
           </p:cNvPr>
@@ -306,7 +306,7 @@
           <a:bodyPr/>
           <a:lstStyle/>
           <a:p>
-            <a:fld id="{E9901385-EE83-4589-9B38-A53A683CB52F}" type="slidenum">
+            <a:fld id="{C23EDB23-D5D3-435F-AA9D-17C941398429}" type="slidenum">
               <a:rPr lang="zh-CN" altLang="en-US" smtClean="0"/>
               <a:t>‹#›</a:t>
             </a:fld>
@@ -317,7 +317,7 @@
     </p:spTree>
     <p:extLst>
       <p:ext uri="{BB962C8B-B14F-4D97-AF65-F5344CB8AC3E}">
-        <p14:creationId xmlns:p14="http://schemas.microsoft.com/office/powerpoint/2010/main" val="2958558567"/>
+        <p14:creationId xmlns:p14="http://schemas.microsoft.com/office/powerpoint/2010/main" val="258449562"/>
       </p:ext>
     </p:extLst>
   </p:cSld>
@@ -349,7 +349,7 @@
           <p:cNvPr id="2" name="标题 1">
             <a:extLst>
               <a:ext uri="{FF2B5EF4-FFF2-40B4-BE49-F238E27FC236}">
-                <a16:creationId xmlns:a16="http://schemas.microsoft.com/office/drawing/2014/main" id="{025D8E52-85B5-B8BE-AC15-C87BF033F723}"/>
+                <a16:creationId xmlns:a16="http://schemas.microsoft.com/office/drawing/2014/main" id="{F755F17A-65CB-AB33-9D8E-E52A4C20BCC8}"/>
               </a:ext>
             </a:extLst>
           </p:cNvPr>
@@ -377,7 +377,7 @@
           <p:cNvPr id="3" name="竖排文字占位符 2">
             <a:extLst>
               <a:ext uri="{FF2B5EF4-FFF2-40B4-BE49-F238E27FC236}">
-                <a16:creationId xmlns:a16="http://schemas.microsoft.com/office/drawing/2014/main" id="{17A0710E-272B-7289-A30B-21936B9C2179}"/>
+                <a16:creationId xmlns:a16="http://schemas.microsoft.com/office/drawing/2014/main" id="{25CCD56E-009B-C254-D62F-36FEA54353FF}"/>
               </a:ext>
             </a:extLst>
           </p:cNvPr>
@@ -434,7 +434,7 @@
           <p:cNvPr id="4" name="日期占位符 3">
             <a:extLst>
               <a:ext uri="{FF2B5EF4-FFF2-40B4-BE49-F238E27FC236}">
-                <a16:creationId xmlns:a16="http://schemas.microsoft.com/office/drawing/2014/main" id="{269AC950-1C73-4BB9-7951-C89FE015C7A8}"/>
+                <a16:creationId xmlns:a16="http://schemas.microsoft.com/office/drawing/2014/main" id="{088C288D-19C9-9118-F7F8-8310E7BA51D8}"/>
               </a:ext>
             </a:extLst>
           </p:cNvPr>
@@ -450,7 +450,7 @@
           <a:bodyPr/>
           <a:lstStyle/>
           <a:p>
-            <a:fld id="{BB32AEE1-4B6B-4FEB-A2B0-ACF4832C4C79}" type="datetimeFigureOut">
+            <a:fld id="{7C61373A-4DED-4CAB-925A-4B9AEC6F7E79}" type="datetimeFigureOut">
               <a:rPr lang="zh-CN" altLang="en-US" smtClean="0"/>
               <a:t>2024/3/10</a:t>
             </a:fld>
@@ -463,7 +463,7 @@
           <p:cNvPr id="5" name="页脚占位符 4">
             <a:extLst>
               <a:ext uri="{FF2B5EF4-FFF2-40B4-BE49-F238E27FC236}">
-                <a16:creationId xmlns:a16="http://schemas.microsoft.com/office/drawing/2014/main" id="{D1A7359D-BF39-8241-C2DE-ABE524CD7000}"/>
+                <a16:creationId xmlns:a16="http://schemas.microsoft.com/office/drawing/2014/main" id="{875E9627-9761-DCC1-EEB4-2F2F60DADC00}"/>
               </a:ext>
             </a:extLst>
           </p:cNvPr>
@@ -488,7 +488,7 @@
           <p:cNvPr id="6" name="灯片编号占位符 5">
             <a:extLst>
               <a:ext uri="{FF2B5EF4-FFF2-40B4-BE49-F238E27FC236}">
-                <a16:creationId xmlns:a16="http://schemas.microsoft.com/office/drawing/2014/main" id="{43C6FDF7-19F3-5E83-BC42-2B204D2FB603}"/>
+                <a16:creationId xmlns:a16="http://schemas.microsoft.com/office/drawing/2014/main" id="{BC96BBAD-E82B-8615-1353-C187D83FDE2E}"/>
               </a:ext>
             </a:extLst>
           </p:cNvPr>
@@ -504,7 +504,7 @@
           <a:bodyPr/>
           <a:lstStyle/>
           <a:p>
-            <a:fld id="{E9901385-EE83-4589-9B38-A53A683CB52F}" type="slidenum">
+            <a:fld id="{C23EDB23-D5D3-435F-AA9D-17C941398429}" type="slidenum">
               <a:rPr lang="zh-CN" altLang="en-US" smtClean="0"/>
               <a:t>‹#›</a:t>
             </a:fld>
@@ -515,7 +515,7 @@
     </p:spTree>
     <p:extLst>
       <p:ext uri="{BB962C8B-B14F-4D97-AF65-F5344CB8AC3E}">
-        <p14:creationId xmlns:p14="http://schemas.microsoft.com/office/powerpoint/2010/main" val="1838953934"/>
+        <p14:creationId xmlns:p14="http://schemas.microsoft.com/office/powerpoint/2010/main" val="3021628499"/>
       </p:ext>
     </p:extLst>
   </p:cSld>
@@ -547,7 +547,7 @@
           <p:cNvPr id="2" name="竖排标题 1">
             <a:extLst>
               <a:ext uri="{FF2B5EF4-FFF2-40B4-BE49-F238E27FC236}">
-                <a16:creationId xmlns:a16="http://schemas.microsoft.com/office/drawing/2014/main" id="{F7147859-F9C6-4580-BA72-005A81CE4DCB}"/>
+                <a16:creationId xmlns:a16="http://schemas.microsoft.com/office/drawing/2014/main" id="{488749FD-A707-60D9-189C-CD77F86329D2}"/>
               </a:ext>
             </a:extLst>
           </p:cNvPr>
@@ -580,7 +580,7 @@
           <p:cNvPr id="3" name="竖排文字占位符 2">
             <a:extLst>
               <a:ext uri="{FF2B5EF4-FFF2-40B4-BE49-F238E27FC236}">
-                <a16:creationId xmlns:a16="http://schemas.microsoft.com/office/drawing/2014/main" id="{D2CE895E-1F13-A1F0-AB5E-08B26E6E3234}"/>
+                <a16:creationId xmlns:a16="http://schemas.microsoft.com/office/drawing/2014/main" id="{B3205595-A60D-C040-C1B7-9FC7315EDE6A}"/>
               </a:ext>
             </a:extLst>
           </p:cNvPr>
@@ -642,7 +642,7 @@
           <p:cNvPr id="4" name="日期占位符 3">
             <a:extLst>
               <a:ext uri="{FF2B5EF4-FFF2-40B4-BE49-F238E27FC236}">
-                <a16:creationId xmlns:a16="http://schemas.microsoft.com/office/drawing/2014/main" id="{E686A3E4-A157-FEA3-C61B-AECCA1333CAF}"/>
+                <a16:creationId xmlns:a16="http://schemas.microsoft.com/office/drawing/2014/main" id="{1205934E-CA4A-D0AE-4286-40DADD478BD4}"/>
               </a:ext>
             </a:extLst>
           </p:cNvPr>
@@ -658,7 +658,7 @@
           <a:bodyPr/>
           <a:lstStyle/>
           <a:p>
-            <a:fld id="{BB32AEE1-4B6B-4FEB-A2B0-ACF4832C4C79}" type="datetimeFigureOut">
+            <a:fld id="{7C61373A-4DED-4CAB-925A-4B9AEC6F7E79}" type="datetimeFigureOut">
               <a:rPr lang="zh-CN" altLang="en-US" smtClean="0"/>
               <a:t>2024/3/10</a:t>
             </a:fld>
@@ -671,7 +671,7 @@
           <p:cNvPr id="5" name="页脚占位符 4">
             <a:extLst>
               <a:ext uri="{FF2B5EF4-FFF2-40B4-BE49-F238E27FC236}">
-                <a16:creationId xmlns:a16="http://schemas.microsoft.com/office/drawing/2014/main" id="{B2F1EAF9-8740-1841-E39F-47904B41CD07}"/>
+                <a16:creationId xmlns:a16="http://schemas.microsoft.com/office/drawing/2014/main" id="{5EE2D64E-FCDA-2EF0-1F9A-A43B03DD8931}"/>
               </a:ext>
             </a:extLst>
           </p:cNvPr>
@@ -696,7 +696,7 @@
           <p:cNvPr id="6" name="灯片编号占位符 5">
             <a:extLst>
               <a:ext uri="{FF2B5EF4-FFF2-40B4-BE49-F238E27FC236}">
-                <a16:creationId xmlns:a16="http://schemas.microsoft.com/office/drawing/2014/main" id="{F42DBB05-8F23-53DD-DD3E-3A93A0FE720E}"/>
+                <a16:creationId xmlns:a16="http://schemas.microsoft.com/office/drawing/2014/main" id="{1C438893-961C-8A25-5464-72DA809C52EF}"/>
               </a:ext>
             </a:extLst>
           </p:cNvPr>
@@ -712,7 +712,7 @@
           <a:bodyPr/>
           <a:lstStyle/>
           <a:p>
-            <a:fld id="{E9901385-EE83-4589-9B38-A53A683CB52F}" type="slidenum">
+            <a:fld id="{C23EDB23-D5D3-435F-AA9D-17C941398429}" type="slidenum">
               <a:rPr lang="zh-CN" altLang="en-US" smtClean="0"/>
               <a:t>‹#›</a:t>
             </a:fld>
@@ -723,7 +723,7 @@
     </p:spTree>
     <p:extLst>
       <p:ext uri="{BB962C8B-B14F-4D97-AF65-F5344CB8AC3E}">
-        <p14:creationId xmlns:p14="http://schemas.microsoft.com/office/powerpoint/2010/main" val="1348264611"/>
+        <p14:creationId xmlns:p14="http://schemas.microsoft.com/office/powerpoint/2010/main" val="418440118"/>
       </p:ext>
     </p:extLst>
   </p:cSld>
@@ -755,7 +755,7 @@
           <p:cNvPr id="2" name="标题 1">
             <a:extLst>
               <a:ext uri="{FF2B5EF4-FFF2-40B4-BE49-F238E27FC236}">
-                <a16:creationId xmlns:a16="http://schemas.microsoft.com/office/drawing/2014/main" id="{91365AA1-00AE-741F-2D2D-7620B899ED2D}"/>
+                <a16:creationId xmlns:a16="http://schemas.microsoft.com/office/drawing/2014/main" id="{6FF8F629-1834-DAB6-80F8-683EF0E6788B}"/>
               </a:ext>
             </a:extLst>
           </p:cNvPr>
@@ -783,7 +783,7 @@
           <p:cNvPr id="3" name="内容占位符 2">
             <a:extLst>
               <a:ext uri="{FF2B5EF4-FFF2-40B4-BE49-F238E27FC236}">
-                <a16:creationId xmlns:a16="http://schemas.microsoft.com/office/drawing/2014/main" id="{016B7E82-1EF3-85DF-7A08-8D107C7DEF20}"/>
+                <a16:creationId xmlns:a16="http://schemas.microsoft.com/office/drawing/2014/main" id="{B5664F43-54A5-B5B6-11DB-A54C5D135D91}"/>
               </a:ext>
             </a:extLst>
           </p:cNvPr>
@@ -840,7 +840,7 @@
           <p:cNvPr id="4" name="日期占位符 3">
             <a:extLst>
               <a:ext uri="{FF2B5EF4-FFF2-40B4-BE49-F238E27FC236}">
-                <a16:creationId xmlns:a16="http://schemas.microsoft.com/office/drawing/2014/main" id="{B91B7D66-A583-9EAC-E366-D1474F0690F7}"/>
+                <a16:creationId xmlns:a16="http://schemas.microsoft.com/office/drawing/2014/main" id="{452333AA-7CA2-4C1D-D986-B07F568FAEED}"/>
               </a:ext>
             </a:extLst>
           </p:cNvPr>
@@ -856,7 +856,7 @@
           <a:bodyPr/>
           <a:lstStyle/>
           <a:p>
-            <a:fld id="{BB32AEE1-4B6B-4FEB-A2B0-ACF4832C4C79}" type="datetimeFigureOut">
+            <a:fld id="{7C61373A-4DED-4CAB-925A-4B9AEC6F7E79}" type="datetimeFigureOut">
               <a:rPr lang="zh-CN" altLang="en-US" smtClean="0"/>
               <a:t>2024/3/10</a:t>
             </a:fld>
@@ -869,7 +869,7 @@
           <p:cNvPr id="5" name="页脚占位符 4">
             <a:extLst>
               <a:ext uri="{FF2B5EF4-FFF2-40B4-BE49-F238E27FC236}">
-                <a16:creationId xmlns:a16="http://schemas.microsoft.com/office/drawing/2014/main" id="{B051AFA3-FD91-B49A-6738-01B9E8087A50}"/>
+                <a16:creationId xmlns:a16="http://schemas.microsoft.com/office/drawing/2014/main" id="{7581749B-4924-424E-6534-4B6388619BBB}"/>
               </a:ext>
             </a:extLst>
           </p:cNvPr>
@@ -894,7 +894,7 @@
           <p:cNvPr id="6" name="灯片编号占位符 5">
             <a:extLst>
               <a:ext uri="{FF2B5EF4-FFF2-40B4-BE49-F238E27FC236}">
-                <a16:creationId xmlns:a16="http://schemas.microsoft.com/office/drawing/2014/main" id="{AB06BAA7-8D76-62E1-2F5A-FBC6EDDB7736}"/>
+                <a16:creationId xmlns:a16="http://schemas.microsoft.com/office/drawing/2014/main" id="{DFFE2430-89C6-3E7A-7BDB-5BDB8F671DC8}"/>
               </a:ext>
             </a:extLst>
           </p:cNvPr>
@@ -910,7 +910,7 @@
           <a:bodyPr/>
           <a:lstStyle/>
           <a:p>
-            <a:fld id="{E9901385-EE83-4589-9B38-A53A683CB52F}" type="slidenum">
+            <a:fld id="{C23EDB23-D5D3-435F-AA9D-17C941398429}" type="slidenum">
               <a:rPr lang="zh-CN" altLang="en-US" smtClean="0"/>
               <a:t>‹#›</a:t>
             </a:fld>
@@ -921,7 +921,7 @@
     </p:spTree>
     <p:extLst>
       <p:ext uri="{BB962C8B-B14F-4D97-AF65-F5344CB8AC3E}">
-        <p14:creationId xmlns:p14="http://schemas.microsoft.com/office/powerpoint/2010/main" val="1686775728"/>
+        <p14:creationId xmlns:p14="http://schemas.microsoft.com/office/powerpoint/2010/main" val="2625033823"/>
       </p:ext>
     </p:extLst>
   </p:cSld>
@@ -953,7 +953,7 @@
           <p:cNvPr id="2" name="标题 1">
             <a:extLst>
               <a:ext uri="{FF2B5EF4-FFF2-40B4-BE49-F238E27FC236}">
-                <a16:creationId xmlns:a16="http://schemas.microsoft.com/office/drawing/2014/main" id="{CA69A842-F936-2E84-0808-6A0F7755488F}"/>
+                <a16:creationId xmlns:a16="http://schemas.microsoft.com/office/drawing/2014/main" id="{9C4BBB8E-A75B-41ED-0FF2-FD6BB1028539}"/>
               </a:ext>
             </a:extLst>
           </p:cNvPr>
@@ -990,7 +990,7 @@
           <p:cNvPr id="3" name="文本占位符 2">
             <a:extLst>
               <a:ext uri="{FF2B5EF4-FFF2-40B4-BE49-F238E27FC236}">
-                <a16:creationId xmlns:a16="http://schemas.microsoft.com/office/drawing/2014/main" id="{D32973B8-DA5C-D28D-44DF-3AF67992E529}"/>
+                <a16:creationId xmlns:a16="http://schemas.microsoft.com/office/drawing/2014/main" id="{1C004F79-CB1A-77C6-43E8-9CFA1ADBAD18}"/>
               </a:ext>
             </a:extLst>
           </p:cNvPr>
@@ -1115,7 +1115,7 @@
           <p:cNvPr id="4" name="日期占位符 3">
             <a:extLst>
               <a:ext uri="{FF2B5EF4-FFF2-40B4-BE49-F238E27FC236}">
-                <a16:creationId xmlns:a16="http://schemas.microsoft.com/office/drawing/2014/main" id="{82F5BE0B-D192-8D5D-44B0-B20733EBACC5}"/>
+                <a16:creationId xmlns:a16="http://schemas.microsoft.com/office/drawing/2014/main" id="{7BE86AD7-90CF-A351-46D4-1107030D8AF7}"/>
               </a:ext>
             </a:extLst>
           </p:cNvPr>
@@ -1131,7 +1131,7 @@
           <a:bodyPr/>
           <a:lstStyle/>
           <a:p>
-            <a:fld id="{BB32AEE1-4B6B-4FEB-A2B0-ACF4832C4C79}" type="datetimeFigureOut">
+            <a:fld id="{7C61373A-4DED-4CAB-925A-4B9AEC6F7E79}" type="datetimeFigureOut">
               <a:rPr lang="zh-CN" altLang="en-US" smtClean="0"/>
               <a:t>2024/3/10</a:t>
             </a:fld>
@@ -1144,7 +1144,7 @@
           <p:cNvPr id="5" name="页脚占位符 4">
             <a:extLst>
               <a:ext uri="{FF2B5EF4-FFF2-40B4-BE49-F238E27FC236}">
-                <a16:creationId xmlns:a16="http://schemas.microsoft.com/office/drawing/2014/main" id="{BA05E888-97D2-A3C2-4F27-74CDE76F4ABF}"/>
+                <a16:creationId xmlns:a16="http://schemas.microsoft.com/office/drawing/2014/main" id="{9E8C2001-5FE7-0CDB-225B-15368635948A}"/>
               </a:ext>
             </a:extLst>
           </p:cNvPr>
@@ -1169,7 +1169,7 @@
           <p:cNvPr id="6" name="灯片编号占位符 5">
             <a:extLst>
               <a:ext uri="{FF2B5EF4-FFF2-40B4-BE49-F238E27FC236}">
-                <a16:creationId xmlns:a16="http://schemas.microsoft.com/office/drawing/2014/main" id="{12CC1B48-71DA-4B68-5092-1458D51FEB66}"/>
+                <a16:creationId xmlns:a16="http://schemas.microsoft.com/office/drawing/2014/main" id="{4237F973-F2AA-CC0B-5399-C7BBC51A9A86}"/>
               </a:ext>
             </a:extLst>
           </p:cNvPr>
@@ -1185,7 +1185,7 @@
           <a:bodyPr/>
           <a:lstStyle/>
           <a:p>
-            <a:fld id="{E9901385-EE83-4589-9B38-A53A683CB52F}" type="slidenum">
+            <a:fld id="{C23EDB23-D5D3-435F-AA9D-17C941398429}" type="slidenum">
               <a:rPr lang="zh-CN" altLang="en-US" smtClean="0"/>
               <a:t>‹#›</a:t>
             </a:fld>
@@ -1196,7 +1196,7 @@
     </p:spTree>
     <p:extLst>
       <p:ext uri="{BB962C8B-B14F-4D97-AF65-F5344CB8AC3E}">
-        <p14:creationId xmlns:p14="http://schemas.microsoft.com/office/powerpoint/2010/main" val="3189651900"/>
+        <p14:creationId xmlns:p14="http://schemas.microsoft.com/office/powerpoint/2010/main" val="335256933"/>
       </p:ext>
     </p:extLst>
   </p:cSld>
@@ -1228,7 +1228,7 @@
           <p:cNvPr id="2" name="标题 1">
             <a:extLst>
               <a:ext uri="{FF2B5EF4-FFF2-40B4-BE49-F238E27FC236}">
-                <a16:creationId xmlns:a16="http://schemas.microsoft.com/office/drawing/2014/main" id="{F4166001-C017-B2BD-2AC8-1599E4F8D4D0}"/>
+                <a16:creationId xmlns:a16="http://schemas.microsoft.com/office/drawing/2014/main" id="{4AEFD4B6-EA90-43B5-040D-6602963D1042}"/>
               </a:ext>
             </a:extLst>
           </p:cNvPr>
@@ -1256,7 +1256,7 @@
           <p:cNvPr id="3" name="内容占位符 2">
             <a:extLst>
               <a:ext uri="{FF2B5EF4-FFF2-40B4-BE49-F238E27FC236}">
-                <a16:creationId xmlns:a16="http://schemas.microsoft.com/office/drawing/2014/main" id="{83B29454-FD28-FDFE-8FFD-C79E17CB0037}"/>
+                <a16:creationId xmlns:a16="http://schemas.microsoft.com/office/drawing/2014/main" id="{926585E7-3C5D-A1D3-EAFE-35A6EA6D5A88}"/>
               </a:ext>
             </a:extLst>
           </p:cNvPr>
@@ -1318,7 +1318,7 @@
           <p:cNvPr id="4" name="内容占位符 3">
             <a:extLst>
               <a:ext uri="{FF2B5EF4-FFF2-40B4-BE49-F238E27FC236}">
-                <a16:creationId xmlns:a16="http://schemas.microsoft.com/office/drawing/2014/main" id="{0471CDF4-40A5-75F2-D824-79AB9DD828F5}"/>
+                <a16:creationId xmlns:a16="http://schemas.microsoft.com/office/drawing/2014/main" id="{CB85A3B9-B326-B36D-3699-8F78677FDA35}"/>
               </a:ext>
             </a:extLst>
           </p:cNvPr>
@@ -1380,7 +1380,7 @@
           <p:cNvPr id="5" name="日期占位符 4">
             <a:extLst>
               <a:ext uri="{FF2B5EF4-FFF2-40B4-BE49-F238E27FC236}">
-                <a16:creationId xmlns:a16="http://schemas.microsoft.com/office/drawing/2014/main" id="{2571BA1B-3DFA-05F7-E4B1-DC58479128FC}"/>
+                <a16:creationId xmlns:a16="http://schemas.microsoft.com/office/drawing/2014/main" id="{474A4404-BD1A-2814-F6A9-B2AA99A41D82}"/>
               </a:ext>
             </a:extLst>
           </p:cNvPr>
@@ -1396,7 +1396,7 @@
           <a:bodyPr/>
           <a:lstStyle/>
           <a:p>
-            <a:fld id="{BB32AEE1-4B6B-4FEB-A2B0-ACF4832C4C79}" type="datetimeFigureOut">
+            <a:fld id="{7C61373A-4DED-4CAB-925A-4B9AEC6F7E79}" type="datetimeFigureOut">
               <a:rPr lang="zh-CN" altLang="en-US" smtClean="0"/>
               <a:t>2024/3/10</a:t>
             </a:fld>
@@ -1409,7 +1409,7 @@
           <p:cNvPr id="6" name="页脚占位符 5">
             <a:extLst>
               <a:ext uri="{FF2B5EF4-FFF2-40B4-BE49-F238E27FC236}">
-                <a16:creationId xmlns:a16="http://schemas.microsoft.com/office/drawing/2014/main" id="{A3A2ACF8-FE16-09F2-FD58-402371993E79}"/>
+                <a16:creationId xmlns:a16="http://schemas.microsoft.com/office/drawing/2014/main" id="{625A68FE-E5DB-9169-3EAA-292343E0929B}"/>
               </a:ext>
             </a:extLst>
           </p:cNvPr>
@@ -1434,7 +1434,7 @@
           <p:cNvPr id="7" name="灯片编号占位符 6">
             <a:extLst>
               <a:ext uri="{FF2B5EF4-FFF2-40B4-BE49-F238E27FC236}">
-                <a16:creationId xmlns:a16="http://schemas.microsoft.com/office/drawing/2014/main" id="{18D37774-F2A8-29E9-30A9-5F1442B3B49F}"/>
+                <a16:creationId xmlns:a16="http://schemas.microsoft.com/office/drawing/2014/main" id="{8A471F6E-5AD2-EA5A-FE06-A58712466FEE}"/>
               </a:ext>
             </a:extLst>
           </p:cNvPr>
@@ -1450,7 +1450,7 @@
           <a:bodyPr/>
           <a:lstStyle/>
           <a:p>
-            <a:fld id="{E9901385-EE83-4589-9B38-A53A683CB52F}" type="slidenum">
+            <a:fld id="{C23EDB23-D5D3-435F-AA9D-17C941398429}" type="slidenum">
               <a:rPr lang="zh-CN" altLang="en-US" smtClean="0"/>
               <a:t>‹#›</a:t>
             </a:fld>
@@ -1461,7 +1461,7 @@
     </p:spTree>
     <p:extLst>
       <p:ext uri="{BB962C8B-B14F-4D97-AF65-F5344CB8AC3E}">
-        <p14:creationId xmlns:p14="http://schemas.microsoft.com/office/powerpoint/2010/main" val="4034525576"/>
+        <p14:creationId xmlns:p14="http://schemas.microsoft.com/office/powerpoint/2010/main" val="2568898552"/>
       </p:ext>
     </p:extLst>
   </p:cSld>
@@ -1493,7 +1493,7 @@
           <p:cNvPr id="2" name="标题 1">
             <a:extLst>
               <a:ext uri="{FF2B5EF4-FFF2-40B4-BE49-F238E27FC236}">
-                <a16:creationId xmlns:a16="http://schemas.microsoft.com/office/drawing/2014/main" id="{B063D830-BBEB-FE71-599C-08397448F9F3}"/>
+                <a16:creationId xmlns:a16="http://schemas.microsoft.com/office/drawing/2014/main" id="{C1D204F6-D62F-8A1C-A025-7BDFAE8E2B20}"/>
               </a:ext>
             </a:extLst>
           </p:cNvPr>
@@ -1526,7 +1526,7 @@
           <p:cNvPr id="3" name="文本占位符 2">
             <a:extLst>
               <a:ext uri="{FF2B5EF4-FFF2-40B4-BE49-F238E27FC236}">
-                <a16:creationId xmlns:a16="http://schemas.microsoft.com/office/drawing/2014/main" id="{78AC2F86-4CE3-B569-DA8A-9953AEDDAB60}"/>
+                <a16:creationId xmlns:a16="http://schemas.microsoft.com/office/drawing/2014/main" id="{F705B16E-D5C2-02F9-0630-4BF8E0844E30}"/>
               </a:ext>
             </a:extLst>
           </p:cNvPr>
@@ -1597,7 +1597,7 @@
           <p:cNvPr id="4" name="内容占位符 3">
             <a:extLst>
               <a:ext uri="{FF2B5EF4-FFF2-40B4-BE49-F238E27FC236}">
-                <a16:creationId xmlns:a16="http://schemas.microsoft.com/office/drawing/2014/main" id="{2FF666B0-1F3B-DEBD-ADED-93FFB69D1976}"/>
+                <a16:creationId xmlns:a16="http://schemas.microsoft.com/office/drawing/2014/main" id="{686AAEDC-BBC0-CF27-8A84-65B7B7B62961}"/>
               </a:ext>
             </a:extLst>
           </p:cNvPr>
@@ -1659,7 +1659,7 @@
           <p:cNvPr id="5" name="文本占位符 4">
             <a:extLst>
               <a:ext uri="{FF2B5EF4-FFF2-40B4-BE49-F238E27FC236}">
-                <a16:creationId xmlns:a16="http://schemas.microsoft.com/office/drawing/2014/main" id="{E070C732-8A24-8F4D-919F-D8749DE86C80}"/>
+                <a16:creationId xmlns:a16="http://schemas.microsoft.com/office/drawing/2014/main" id="{850DC5C7-F067-DF98-4E87-4CF90CB6E633}"/>
               </a:ext>
             </a:extLst>
           </p:cNvPr>
@@ -1730,7 +1730,7 @@
           <p:cNvPr id="6" name="内容占位符 5">
             <a:extLst>
               <a:ext uri="{FF2B5EF4-FFF2-40B4-BE49-F238E27FC236}">
-                <a16:creationId xmlns:a16="http://schemas.microsoft.com/office/drawing/2014/main" id="{5A30750E-D670-3DB2-079B-688D8DE202A2}"/>
+                <a16:creationId xmlns:a16="http://schemas.microsoft.com/office/drawing/2014/main" id="{7B746905-66FB-65FA-5417-B4755753DCFF}"/>
               </a:ext>
             </a:extLst>
           </p:cNvPr>
@@ -1792,7 +1792,7 @@
           <p:cNvPr id="7" name="日期占位符 6">
             <a:extLst>
               <a:ext uri="{FF2B5EF4-FFF2-40B4-BE49-F238E27FC236}">
-                <a16:creationId xmlns:a16="http://schemas.microsoft.com/office/drawing/2014/main" id="{461306DC-9355-04DA-347E-48185D46C3F8}"/>
+                <a16:creationId xmlns:a16="http://schemas.microsoft.com/office/drawing/2014/main" id="{CBC13195-7716-672F-689D-219A59836BFF}"/>
               </a:ext>
             </a:extLst>
           </p:cNvPr>
@@ -1808,7 +1808,7 @@
           <a:bodyPr/>
           <a:lstStyle/>
           <a:p>
-            <a:fld id="{BB32AEE1-4B6B-4FEB-A2B0-ACF4832C4C79}" type="datetimeFigureOut">
+            <a:fld id="{7C61373A-4DED-4CAB-925A-4B9AEC6F7E79}" type="datetimeFigureOut">
               <a:rPr lang="zh-CN" altLang="en-US" smtClean="0"/>
               <a:t>2024/3/10</a:t>
             </a:fld>
@@ -1821,7 +1821,7 @@
           <p:cNvPr id="8" name="页脚占位符 7">
             <a:extLst>
               <a:ext uri="{FF2B5EF4-FFF2-40B4-BE49-F238E27FC236}">
-                <a16:creationId xmlns:a16="http://schemas.microsoft.com/office/drawing/2014/main" id="{94D3950F-3E4B-9CB3-D22B-4C385C48B587}"/>
+                <a16:creationId xmlns:a16="http://schemas.microsoft.com/office/drawing/2014/main" id="{D3C4D73C-62C0-A9C4-824C-3C9AFCBCB1E8}"/>
               </a:ext>
             </a:extLst>
           </p:cNvPr>
@@ -1846,7 +1846,7 @@
           <p:cNvPr id="9" name="灯片编号占位符 8">
             <a:extLst>
               <a:ext uri="{FF2B5EF4-FFF2-40B4-BE49-F238E27FC236}">
-                <a16:creationId xmlns:a16="http://schemas.microsoft.com/office/drawing/2014/main" id="{AC12B153-1BEC-4D25-8B17-6B00C5CF9F7C}"/>
+                <a16:creationId xmlns:a16="http://schemas.microsoft.com/office/drawing/2014/main" id="{3640DAAC-8B3E-D227-60D2-235C482CEE59}"/>
               </a:ext>
             </a:extLst>
           </p:cNvPr>
@@ -1862,7 +1862,7 @@
           <a:bodyPr/>
           <a:lstStyle/>
           <a:p>
-            <a:fld id="{E9901385-EE83-4589-9B38-A53A683CB52F}" type="slidenum">
+            <a:fld id="{C23EDB23-D5D3-435F-AA9D-17C941398429}" type="slidenum">
               <a:rPr lang="zh-CN" altLang="en-US" smtClean="0"/>
               <a:t>‹#›</a:t>
             </a:fld>
@@ -1873,7 +1873,7 @@
     </p:spTree>
     <p:extLst>
       <p:ext uri="{BB962C8B-B14F-4D97-AF65-F5344CB8AC3E}">
-        <p14:creationId xmlns:p14="http://schemas.microsoft.com/office/powerpoint/2010/main" val="1239578029"/>
+        <p14:creationId xmlns:p14="http://schemas.microsoft.com/office/powerpoint/2010/main" val="2947184338"/>
       </p:ext>
     </p:extLst>
   </p:cSld>
@@ -1905,7 +1905,7 @@
           <p:cNvPr id="2" name="标题 1">
             <a:extLst>
               <a:ext uri="{FF2B5EF4-FFF2-40B4-BE49-F238E27FC236}">
-                <a16:creationId xmlns:a16="http://schemas.microsoft.com/office/drawing/2014/main" id="{D9E8B2BB-9B26-80F4-BE51-B9CC40BD8721}"/>
+                <a16:creationId xmlns:a16="http://schemas.microsoft.com/office/drawing/2014/main" id="{7743004B-B71F-B17F-58D4-319A95FF3D2C}"/>
               </a:ext>
             </a:extLst>
           </p:cNvPr>
@@ -1933,7 +1933,7 @@
           <p:cNvPr id="3" name="日期占位符 2">
             <a:extLst>
               <a:ext uri="{FF2B5EF4-FFF2-40B4-BE49-F238E27FC236}">
-                <a16:creationId xmlns:a16="http://schemas.microsoft.com/office/drawing/2014/main" id="{B9C6ADFE-9EB6-686A-D182-E0B11CBF9FB7}"/>
+                <a16:creationId xmlns:a16="http://schemas.microsoft.com/office/drawing/2014/main" id="{5C2DB662-B7FA-1FCF-3647-0D7553D971D7}"/>
               </a:ext>
             </a:extLst>
           </p:cNvPr>
@@ -1949,7 +1949,7 @@
           <a:bodyPr/>
           <a:lstStyle/>
           <a:p>
-            <a:fld id="{BB32AEE1-4B6B-4FEB-A2B0-ACF4832C4C79}" type="datetimeFigureOut">
+            <a:fld id="{7C61373A-4DED-4CAB-925A-4B9AEC6F7E79}" type="datetimeFigureOut">
               <a:rPr lang="zh-CN" altLang="en-US" smtClean="0"/>
               <a:t>2024/3/10</a:t>
             </a:fld>
@@ -1962,7 +1962,7 @@
           <p:cNvPr id="4" name="页脚占位符 3">
             <a:extLst>
               <a:ext uri="{FF2B5EF4-FFF2-40B4-BE49-F238E27FC236}">
-                <a16:creationId xmlns:a16="http://schemas.microsoft.com/office/drawing/2014/main" id="{E611D934-18F5-FCA1-5C7F-DA4DF8818747}"/>
+                <a16:creationId xmlns:a16="http://schemas.microsoft.com/office/drawing/2014/main" id="{E0BB8047-894A-CE25-AA67-85F4E58E2B17}"/>
               </a:ext>
             </a:extLst>
           </p:cNvPr>
@@ -1987,7 +1987,7 @@
           <p:cNvPr id="5" name="灯片编号占位符 4">
             <a:extLst>
               <a:ext uri="{FF2B5EF4-FFF2-40B4-BE49-F238E27FC236}">
-                <a16:creationId xmlns:a16="http://schemas.microsoft.com/office/drawing/2014/main" id="{8AA38326-EDEC-C385-12B4-945567E54D16}"/>
+                <a16:creationId xmlns:a16="http://schemas.microsoft.com/office/drawing/2014/main" id="{81B3998A-73AD-975F-DCAD-7969B017BB30}"/>
               </a:ext>
             </a:extLst>
           </p:cNvPr>
@@ -2003,7 +2003,7 @@
           <a:bodyPr/>
           <a:lstStyle/>
           <a:p>
-            <a:fld id="{E9901385-EE83-4589-9B38-A53A683CB52F}" type="slidenum">
+            <a:fld id="{C23EDB23-D5D3-435F-AA9D-17C941398429}" type="slidenum">
               <a:rPr lang="zh-CN" altLang="en-US" smtClean="0"/>
               <a:t>‹#›</a:t>
             </a:fld>
@@ -2014,7 +2014,7 @@
     </p:spTree>
     <p:extLst>
       <p:ext uri="{BB962C8B-B14F-4D97-AF65-F5344CB8AC3E}">
-        <p14:creationId xmlns:p14="http://schemas.microsoft.com/office/powerpoint/2010/main" val="1199503998"/>
+        <p14:creationId xmlns:p14="http://schemas.microsoft.com/office/powerpoint/2010/main" val="2301271255"/>
       </p:ext>
     </p:extLst>
   </p:cSld>
@@ -2046,7 +2046,7 @@
           <p:cNvPr id="2" name="日期占位符 1">
             <a:extLst>
               <a:ext uri="{FF2B5EF4-FFF2-40B4-BE49-F238E27FC236}">
-                <a16:creationId xmlns:a16="http://schemas.microsoft.com/office/drawing/2014/main" id="{E93C099D-370C-473C-B36D-F3CFA9FE0F13}"/>
+                <a16:creationId xmlns:a16="http://schemas.microsoft.com/office/drawing/2014/main" id="{6EA25310-8FC9-C5A5-B53E-C1D124F36074}"/>
               </a:ext>
             </a:extLst>
           </p:cNvPr>
@@ -2062,7 +2062,7 @@
           <a:bodyPr/>
           <a:lstStyle/>
           <a:p>
-            <a:fld id="{BB32AEE1-4B6B-4FEB-A2B0-ACF4832C4C79}" type="datetimeFigureOut">
+            <a:fld id="{7C61373A-4DED-4CAB-925A-4B9AEC6F7E79}" type="datetimeFigureOut">
               <a:rPr lang="zh-CN" altLang="en-US" smtClean="0"/>
               <a:t>2024/3/10</a:t>
             </a:fld>
@@ -2075,7 +2075,7 @@
           <p:cNvPr id="3" name="页脚占位符 2">
             <a:extLst>
               <a:ext uri="{FF2B5EF4-FFF2-40B4-BE49-F238E27FC236}">
-                <a16:creationId xmlns:a16="http://schemas.microsoft.com/office/drawing/2014/main" id="{DA1DCD6A-8A59-D8DA-AC40-3B0ABEDCA420}"/>
+                <a16:creationId xmlns:a16="http://schemas.microsoft.com/office/drawing/2014/main" id="{E939D592-AE97-C41A-01B8-C0F34480DB82}"/>
               </a:ext>
             </a:extLst>
           </p:cNvPr>
@@ -2100,7 +2100,7 @@
           <p:cNvPr id="4" name="灯片编号占位符 3">
             <a:extLst>
               <a:ext uri="{FF2B5EF4-FFF2-40B4-BE49-F238E27FC236}">
-                <a16:creationId xmlns:a16="http://schemas.microsoft.com/office/drawing/2014/main" id="{02F6BA5F-473A-A387-44B3-E61369EDD9E8}"/>
+                <a16:creationId xmlns:a16="http://schemas.microsoft.com/office/drawing/2014/main" id="{B2BEA797-BD3D-1D02-3441-8ED7974664D4}"/>
               </a:ext>
             </a:extLst>
           </p:cNvPr>
@@ -2116,7 +2116,7 @@
           <a:bodyPr/>
           <a:lstStyle/>
           <a:p>
-            <a:fld id="{E9901385-EE83-4589-9B38-A53A683CB52F}" type="slidenum">
+            <a:fld id="{C23EDB23-D5D3-435F-AA9D-17C941398429}" type="slidenum">
               <a:rPr lang="zh-CN" altLang="en-US" smtClean="0"/>
               <a:t>‹#›</a:t>
             </a:fld>
@@ -2127,7 +2127,7 @@
     </p:spTree>
     <p:extLst>
       <p:ext uri="{BB962C8B-B14F-4D97-AF65-F5344CB8AC3E}">
-        <p14:creationId xmlns:p14="http://schemas.microsoft.com/office/powerpoint/2010/main" val="3400442583"/>
+        <p14:creationId xmlns:p14="http://schemas.microsoft.com/office/powerpoint/2010/main" val="2302545653"/>
       </p:ext>
     </p:extLst>
   </p:cSld>
@@ -2159,7 +2159,7 @@
           <p:cNvPr id="2" name="标题 1">
             <a:extLst>
               <a:ext uri="{FF2B5EF4-FFF2-40B4-BE49-F238E27FC236}">
-                <a16:creationId xmlns:a16="http://schemas.microsoft.com/office/drawing/2014/main" id="{9ED070F5-7BF7-A865-9DD8-CD863FEC102F}"/>
+                <a16:creationId xmlns:a16="http://schemas.microsoft.com/office/drawing/2014/main" id="{2318512F-E1E6-5F98-1F6F-DDB4565DB187}"/>
               </a:ext>
             </a:extLst>
           </p:cNvPr>
@@ -2196,7 +2196,7 @@
           <p:cNvPr id="3" name="内容占位符 2">
             <a:extLst>
               <a:ext uri="{FF2B5EF4-FFF2-40B4-BE49-F238E27FC236}">
-                <a16:creationId xmlns:a16="http://schemas.microsoft.com/office/drawing/2014/main" id="{4734BB63-DC32-52D1-7697-6CCD10A5079A}"/>
+                <a16:creationId xmlns:a16="http://schemas.microsoft.com/office/drawing/2014/main" id="{FE31A0C5-FF78-B506-D903-BB6CF3BAE3A4}"/>
               </a:ext>
             </a:extLst>
           </p:cNvPr>
@@ -2286,7 +2286,7 @@
           <p:cNvPr id="4" name="文本占位符 3">
             <a:extLst>
               <a:ext uri="{FF2B5EF4-FFF2-40B4-BE49-F238E27FC236}">
-                <a16:creationId xmlns:a16="http://schemas.microsoft.com/office/drawing/2014/main" id="{B59B9E74-BEAC-A543-3F49-9C0C57F79AFF}"/>
+                <a16:creationId xmlns:a16="http://schemas.microsoft.com/office/drawing/2014/main" id="{240398F8-75C9-97B5-FD6D-06FB30085748}"/>
               </a:ext>
             </a:extLst>
           </p:cNvPr>
@@ -2357,7 +2357,7 @@
           <p:cNvPr id="5" name="日期占位符 4">
             <a:extLst>
               <a:ext uri="{FF2B5EF4-FFF2-40B4-BE49-F238E27FC236}">
-                <a16:creationId xmlns:a16="http://schemas.microsoft.com/office/drawing/2014/main" id="{85C8AF2E-9FEF-3072-28E6-A311018C0339}"/>
+                <a16:creationId xmlns:a16="http://schemas.microsoft.com/office/drawing/2014/main" id="{48F07251-6331-921E-615F-1FB9F88AA80C}"/>
               </a:ext>
             </a:extLst>
           </p:cNvPr>
@@ -2373,7 +2373,7 @@
           <a:bodyPr/>
           <a:lstStyle/>
           <a:p>
-            <a:fld id="{BB32AEE1-4B6B-4FEB-A2B0-ACF4832C4C79}" type="datetimeFigureOut">
+            <a:fld id="{7C61373A-4DED-4CAB-925A-4B9AEC6F7E79}" type="datetimeFigureOut">
               <a:rPr lang="zh-CN" altLang="en-US" smtClean="0"/>
               <a:t>2024/3/10</a:t>
             </a:fld>
@@ -2386,7 +2386,7 @@
           <p:cNvPr id="6" name="页脚占位符 5">
             <a:extLst>
               <a:ext uri="{FF2B5EF4-FFF2-40B4-BE49-F238E27FC236}">
-                <a16:creationId xmlns:a16="http://schemas.microsoft.com/office/drawing/2014/main" id="{C7428D7E-2DBC-57BD-A177-AE8BADAD4596}"/>
+                <a16:creationId xmlns:a16="http://schemas.microsoft.com/office/drawing/2014/main" id="{C52CCF32-DD2E-4395-1A3B-F3E9ABF445A7}"/>
               </a:ext>
             </a:extLst>
           </p:cNvPr>
@@ -2411,7 +2411,7 @@
           <p:cNvPr id="7" name="灯片编号占位符 6">
             <a:extLst>
               <a:ext uri="{FF2B5EF4-FFF2-40B4-BE49-F238E27FC236}">
-                <a16:creationId xmlns:a16="http://schemas.microsoft.com/office/drawing/2014/main" id="{2D590FBA-1873-8B4E-997F-93264F8B800A}"/>
+                <a16:creationId xmlns:a16="http://schemas.microsoft.com/office/drawing/2014/main" id="{D2BBD377-2960-A269-57B7-118DCE69B543}"/>
               </a:ext>
             </a:extLst>
           </p:cNvPr>
@@ -2427,7 +2427,7 @@
           <a:bodyPr/>
           <a:lstStyle/>
           <a:p>
-            <a:fld id="{E9901385-EE83-4589-9B38-A53A683CB52F}" type="slidenum">
+            <a:fld id="{C23EDB23-D5D3-435F-AA9D-17C941398429}" type="slidenum">
               <a:rPr lang="zh-CN" altLang="en-US" smtClean="0"/>
               <a:t>‹#›</a:t>
             </a:fld>
@@ -2438,7 +2438,7 @@
     </p:spTree>
     <p:extLst>
       <p:ext uri="{BB962C8B-B14F-4D97-AF65-F5344CB8AC3E}">
-        <p14:creationId xmlns:p14="http://schemas.microsoft.com/office/powerpoint/2010/main" val="81849750"/>
+        <p14:creationId xmlns:p14="http://schemas.microsoft.com/office/powerpoint/2010/main" val="2677597479"/>
       </p:ext>
     </p:extLst>
   </p:cSld>
@@ -2470,7 +2470,7 @@
           <p:cNvPr id="2" name="标题 1">
             <a:extLst>
               <a:ext uri="{FF2B5EF4-FFF2-40B4-BE49-F238E27FC236}">
-                <a16:creationId xmlns:a16="http://schemas.microsoft.com/office/drawing/2014/main" id="{C83B22E9-6D73-9CD0-9640-A45F0EE1C4B5}"/>
+                <a16:creationId xmlns:a16="http://schemas.microsoft.com/office/drawing/2014/main" id="{770926D7-5CE4-6B05-3905-88AE5A5D949D}"/>
               </a:ext>
             </a:extLst>
           </p:cNvPr>
@@ -2507,7 +2507,7 @@
           <p:cNvPr id="3" name="图片占位符 2">
             <a:extLst>
               <a:ext uri="{FF2B5EF4-FFF2-40B4-BE49-F238E27FC236}">
-                <a16:creationId xmlns:a16="http://schemas.microsoft.com/office/drawing/2014/main" id="{2C931BA2-8DC5-F304-D18C-121CEC830A38}"/>
+                <a16:creationId xmlns:a16="http://schemas.microsoft.com/office/drawing/2014/main" id="{B0B14951-BA9F-84EC-513F-88FE8DBE57A2}"/>
               </a:ext>
             </a:extLst>
           </p:cNvPr>
@@ -2574,7 +2574,7 @@
           <p:cNvPr id="4" name="文本占位符 3">
             <a:extLst>
               <a:ext uri="{FF2B5EF4-FFF2-40B4-BE49-F238E27FC236}">
-                <a16:creationId xmlns:a16="http://schemas.microsoft.com/office/drawing/2014/main" id="{F721A6D3-69ED-E273-26BB-D8A878D5FF2D}"/>
+                <a16:creationId xmlns:a16="http://schemas.microsoft.com/office/drawing/2014/main" id="{FDCDC17B-6A85-88E0-1ABE-6AE37AD09249}"/>
               </a:ext>
             </a:extLst>
           </p:cNvPr>
@@ -2645,7 +2645,7 @@
           <p:cNvPr id="5" name="日期占位符 4">
             <a:extLst>
               <a:ext uri="{FF2B5EF4-FFF2-40B4-BE49-F238E27FC236}">
-                <a16:creationId xmlns:a16="http://schemas.microsoft.com/office/drawing/2014/main" id="{B39527EA-EBC0-7304-0F1F-31BF565951C6}"/>
+                <a16:creationId xmlns:a16="http://schemas.microsoft.com/office/drawing/2014/main" id="{5DBF5A4D-0F63-CFB0-6D13-309827F7F31C}"/>
               </a:ext>
             </a:extLst>
           </p:cNvPr>
@@ -2661,7 +2661,7 @@
           <a:bodyPr/>
           <a:lstStyle/>
           <a:p>
-            <a:fld id="{BB32AEE1-4B6B-4FEB-A2B0-ACF4832C4C79}" type="datetimeFigureOut">
+            <a:fld id="{7C61373A-4DED-4CAB-925A-4B9AEC6F7E79}" type="datetimeFigureOut">
               <a:rPr lang="zh-CN" altLang="en-US" smtClean="0"/>
               <a:t>2024/3/10</a:t>
             </a:fld>
@@ -2674,7 +2674,7 @@
           <p:cNvPr id="6" name="页脚占位符 5">
             <a:extLst>
               <a:ext uri="{FF2B5EF4-FFF2-40B4-BE49-F238E27FC236}">
-                <a16:creationId xmlns:a16="http://schemas.microsoft.com/office/drawing/2014/main" id="{2464A747-8261-F205-71A8-A281BCCCF173}"/>
+                <a16:creationId xmlns:a16="http://schemas.microsoft.com/office/drawing/2014/main" id="{61FE807A-F283-A5C3-C6F5-313D0CAA5C77}"/>
               </a:ext>
             </a:extLst>
           </p:cNvPr>
@@ -2699,7 +2699,7 @@
           <p:cNvPr id="7" name="灯片编号占位符 6">
             <a:extLst>
               <a:ext uri="{FF2B5EF4-FFF2-40B4-BE49-F238E27FC236}">
-                <a16:creationId xmlns:a16="http://schemas.microsoft.com/office/drawing/2014/main" id="{AD73CC45-E0F3-78AF-C979-A36A3D517C72}"/>
+                <a16:creationId xmlns:a16="http://schemas.microsoft.com/office/drawing/2014/main" id="{67F54009-BA7E-E77B-F4C5-42C7A8D7E033}"/>
               </a:ext>
             </a:extLst>
           </p:cNvPr>
@@ -2715,7 +2715,7 @@
           <a:bodyPr/>
           <a:lstStyle/>
           <a:p>
-            <a:fld id="{E9901385-EE83-4589-9B38-A53A683CB52F}" type="slidenum">
+            <a:fld id="{C23EDB23-D5D3-435F-AA9D-17C941398429}" type="slidenum">
               <a:rPr lang="zh-CN" altLang="en-US" smtClean="0"/>
               <a:t>‹#›</a:t>
             </a:fld>
@@ -2726,7 +2726,7 @@
     </p:spTree>
     <p:extLst>
       <p:ext uri="{BB962C8B-B14F-4D97-AF65-F5344CB8AC3E}">
-        <p14:creationId xmlns:p14="http://schemas.microsoft.com/office/powerpoint/2010/main" val="2600970"/>
+        <p14:creationId xmlns:p14="http://schemas.microsoft.com/office/powerpoint/2010/main" val="538254463"/>
       </p:ext>
     </p:extLst>
   </p:cSld>
@@ -2763,7 +2763,7 @@
           <p:cNvPr id="2" name="标题占位符 1">
             <a:extLst>
               <a:ext uri="{FF2B5EF4-FFF2-40B4-BE49-F238E27FC236}">
-                <a16:creationId xmlns:a16="http://schemas.microsoft.com/office/drawing/2014/main" id="{B7CCE0B9-2102-5191-B3D2-354551653405}"/>
+                <a16:creationId xmlns:a16="http://schemas.microsoft.com/office/drawing/2014/main" id="{8E9CC380-3B88-BE07-2953-7F482CC52DA1}"/>
               </a:ext>
             </a:extLst>
           </p:cNvPr>
@@ -2801,7 +2801,7 @@
           <p:cNvPr id="3" name="文本占位符 2">
             <a:extLst>
               <a:ext uri="{FF2B5EF4-FFF2-40B4-BE49-F238E27FC236}">
-                <a16:creationId xmlns:a16="http://schemas.microsoft.com/office/drawing/2014/main" id="{5E0E404D-B627-E632-2387-B04CEB13D010}"/>
+                <a16:creationId xmlns:a16="http://schemas.microsoft.com/office/drawing/2014/main" id="{1CF20AD7-D425-1333-443F-CE7CDBBE15F1}"/>
               </a:ext>
             </a:extLst>
           </p:cNvPr>
@@ -2868,7 +2868,7 @@
           <p:cNvPr id="4" name="日期占位符 3">
             <a:extLst>
               <a:ext uri="{FF2B5EF4-FFF2-40B4-BE49-F238E27FC236}">
-                <a16:creationId xmlns:a16="http://schemas.microsoft.com/office/drawing/2014/main" id="{5FC34709-3EE6-D748-6ED0-DBF3182BA8CB}"/>
+                <a16:creationId xmlns:a16="http://schemas.microsoft.com/office/drawing/2014/main" id="{4DD95ED4-D894-7C7E-698E-33D30313962C}"/>
               </a:ext>
             </a:extLst>
           </p:cNvPr>
@@ -2902,7 +2902,7 @@
             </a:lvl1pPr>
           </a:lstStyle>
           <a:p>
-            <a:fld id="{BB32AEE1-4B6B-4FEB-A2B0-ACF4832C4C79}" type="datetimeFigureOut">
+            <a:fld id="{7C61373A-4DED-4CAB-925A-4B9AEC6F7E79}" type="datetimeFigureOut">
               <a:rPr lang="zh-CN" altLang="en-US" smtClean="0"/>
               <a:t>2024/3/10</a:t>
             </a:fld>
@@ -2915,7 +2915,7 @@
           <p:cNvPr id="5" name="页脚占位符 4">
             <a:extLst>
               <a:ext uri="{FF2B5EF4-FFF2-40B4-BE49-F238E27FC236}">
-                <a16:creationId xmlns:a16="http://schemas.microsoft.com/office/drawing/2014/main" id="{DACEE76B-26A4-6449-99CB-5FE5F9621C49}"/>
+                <a16:creationId xmlns:a16="http://schemas.microsoft.com/office/drawing/2014/main" id="{047E84A6-10B8-AD2F-ACC0-25A1199B4A25}"/>
               </a:ext>
             </a:extLst>
           </p:cNvPr>
@@ -2958,7 +2958,7 @@
           <p:cNvPr id="6" name="灯片编号占位符 5">
             <a:extLst>
               <a:ext uri="{FF2B5EF4-FFF2-40B4-BE49-F238E27FC236}">
-                <a16:creationId xmlns:a16="http://schemas.microsoft.com/office/drawing/2014/main" id="{7FE20771-813D-ED14-02F6-3DAEF03E5464}"/>
+                <a16:creationId xmlns:a16="http://schemas.microsoft.com/office/drawing/2014/main" id="{1851F47F-3C46-08DA-4A83-DA659598B2EC}"/>
               </a:ext>
             </a:extLst>
           </p:cNvPr>
@@ -2992,7 +2992,7 @@
             </a:lvl1pPr>
           </a:lstStyle>
           <a:p>
-            <a:fld id="{E9901385-EE83-4589-9B38-A53A683CB52F}" type="slidenum">
+            <a:fld id="{C23EDB23-D5D3-435F-AA9D-17C941398429}" type="slidenum">
               <a:rPr lang="zh-CN" altLang="en-US" smtClean="0"/>
               <a:t>‹#›</a:t>
             </a:fld>
@@ -3003,7 +3003,7 @@
     </p:spTree>
     <p:extLst>
       <p:ext uri="{BB962C8B-B14F-4D97-AF65-F5344CB8AC3E}">
-        <p14:creationId xmlns:p14="http://schemas.microsoft.com/office/powerpoint/2010/main" val="1891429621"/>
+        <p14:creationId xmlns:p14="http://schemas.microsoft.com/office/powerpoint/2010/main" val="76704911"/>
       </p:ext>
     </p:extLst>
   </p:cSld>
@@ -3323,7 +3323,7 @@
       </p:grpSpPr>
       <p:pic>
         <p:nvPicPr>
-          <p:cNvPr id="516098" name="Picture 2" descr="503"/>
+          <p:cNvPr id="517122" name="Picture 2" descr="504"/>
           <p:cNvPicPr>
             <a:picLocks noChangeAspect="1" noChangeArrowheads="1"/>
           </p:cNvPicPr>
@@ -3344,8 +3344,8 @@
         </p:blipFill>
         <p:spPr bwMode="auto">
           <a:xfrm>
-            <a:off x="1524000" y="1"/>
-            <a:ext cx="9144000" cy="5516563"/>
+            <a:off x="1524000" y="0"/>
+            <a:ext cx="9144000" cy="6858000"/>
           </a:xfrm>
           <a:prstGeom prst="rect">
             <a:avLst/>
